--- a/presentation/Doctor Who Data Model.pptx
+++ b/presentation/Doctor Who Data Model.pptx
@@ -5,14 +5,15 @@
     <p:sldMasterId id="2147483648" r:id="rId1"/>
   </p:sldMasterIdLst>
   <p:sldIdLst>
-    <p:sldId id="257" r:id="rId2"/>
-    <p:sldId id="258" r:id="rId3"/>
-    <p:sldId id="259" r:id="rId4"/>
-    <p:sldId id="260" r:id="rId5"/>
-    <p:sldId id="261" r:id="rId6"/>
-    <p:sldId id="262" r:id="rId7"/>
-    <p:sldId id="263" r:id="rId8"/>
-    <p:sldId id="264" r:id="rId9"/>
+    <p:sldId id="265" r:id="rId2"/>
+    <p:sldId id="257" r:id="rId3"/>
+    <p:sldId id="258" r:id="rId4"/>
+    <p:sldId id="259" r:id="rId5"/>
+    <p:sldId id="260" r:id="rId6"/>
+    <p:sldId id="261" r:id="rId7"/>
+    <p:sldId id="262" r:id="rId8"/>
+    <p:sldId id="263" r:id="rId9"/>
+    <p:sldId id="264" r:id="rId10"/>
   </p:sldIdLst>
   <p:sldSz cx="9144000" cy="6858000" type="screen4x3"/>
   <p:notesSz cx="6858000" cy="9144000"/>
@@ -295,7 +296,7 @@
           <a:p>
             <a:fld id="{6E5CF046-20FD-D64B-A873-CF2D1969ADA3}" type="datetimeFigureOut">
               <a:rPr lang="en-US" smtClean="0"/>
-              <a:t>13/04/2012</a:t>
+              <a:t>08/05/2012</a:t>
             </a:fld>
             <a:endParaRPr lang="en-US"/>
           </a:p>
@@ -465,7 +466,7 @@
           <a:p>
             <a:fld id="{6E5CF046-20FD-D64B-A873-CF2D1969ADA3}" type="datetimeFigureOut">
               <a:rPr lang="en-US" smtClean="0"/>
-              <a:t>13/04/2012</a:t>
+              <a:t>08/05/2012</a:t>
             </a:fld>
             <a:endParaRPr lang="en-US"/>
           </a:p>
@@ -645,7 +646,7 @@
           <a:p>
             <a:fld id="{6E5CF046-20FD-D64B-A873-CF2D1969ADA3}" type="datetimeFigureOut">
               <a:rPr lang="en-US" smtClean="0"/>
-              <a:t>13/04/2012</a:t>
+              <a:t>08/05/2012</a:t>
             </a:fld>
             <a:endParaRPr lang="en-US"/>
           </a:p>
@@ -815,7 +816,7 @@
           <a:p>
             <a:fld id="{6E5CF046-20FD-D64B-A873-CF2D1969ADA3}" type="datetimeFigureOut">
               <a:rPr lang="en-US" smtClean="0"/>
-              <a:t>13/04/2012</a:t>
+              <a:t>08/05/2012</a:t>
             </a:fld>
             <a:endParaRPr lang="en-US"/>
           </a:p>
@@ -1061,7 +1062,7 @@
           <a:p>
             <a:fld id="{6E5CF046-20FD-D64B-A873-CF2D1969ADA3}" type="datetimeFigureOut">
               <a:rPr lang="en-US" smtClean="0"/>
-              <a:t>13/04/2012</a:t>
+              <a:t>08/05/2012</a:t>
             </a:fld>
             <a:endParaRPr lang="en-US"/>
           </a:p>
@@ -1349,7 +1350,7 @@
           <a:p>
             <a:fld id="{6E5CF046-20FD-D64B-A873-CF2D1969ADA3}" type="datetimeFigureOut">
               <a:rPr lang="en-US" smtClean="0"/>
-              <a:t>13/04/2012</a:t>
+              <a:t>08/05/2012</a:t>
             </a:fld>
             <a:endParaRPr lang="en-US"/>
           </a:p>
@@ -1771,7 +1772,7 @@
           <a:p>
             <a:fld id="{6E5CF046-20FD-D64B-A873-CF2D1969ADA3}" type="datetimeFigureOut">
               <a:rPr lang="en-US" smtClean="0"/>
-              <a:t>13/04/2012</a:t>
+              <a:t>08/05/2012</a:t>
             </a:fld>
             <a:endParaRPr lang="en-US"/>
           </a:p>
@@ -1889,7 +1890,7 @@
           <a:p>
             <a:fld id="{6E5CF046-20FD-D64B-A873-CF2D1969ADA3}" type="datetimeFigureOut">
               <a:rPr lang="en-US" smtClean="0"/>
-              <a:t>13/04/2012</a:t>
+              <a:t>08/05/2012</a:t>
             </a:fld>
             <a:endParaRPr lang="en-US"/>
           </a:p>
@@ -1984,7 +1985,7 @@
           <a:p>
             <a:fld id="{6E5CF046-20FD-D64B-A873-CF2D1969ADA3}" type="datetimeFigureOut">
               <a:rPr lang="en-US" smtClean="0"/>
-              <a:t>13/04/2012</a:t>
+              <a:t>08/05/2012</a:t>
             </a:fld>
             <a:endParaRPr lang="en-US"/>
           </a:p>
@@ -2261,7 +2262,7 @@
           <a:p>
             <a:fld id="{6E5CF046-20FD-D64B-A873-CF2D1969ADA3}" type="datetimeFigureOut">
               <a:rPr lang="en-US" smtClean="0"/>
-              <a:t>13/04/2012</a:t>
+              <a:t>08/05/2012</a:t>
             </a:fld>
             <a:endParaRPr lang="en-US"/>
           </a:p>
@@ -2514,7 +2515,7 @@
           <a:p>
             <a:fld id="{6E5CF046-20FD-D64B-A873-CF2D1969ADA3}" type="datetimeFigureOut">
               <a:rPr lang="en-US" smtClean="0"/>
-              <a:t>13/04/2012</a:t>
+              <a:t>08/05/2012</a:t>
             </a:fld>
             <a:endParaRPr lang="en-US"/>
           </a:p>
@@ -2727,7 +2728,7 @@
           <a:p>
             <a:fld id="{6E5CF046-20FD-D64B-A873-CF2D1969ADA3}" type="datetimeFigureOut">
               <a:rPr lang="en-US" smtClean="0"/>
-              <a:t>13/04/2012</a:t>
+              <a:t>08/05/2012</a:t>
             </a:fld>
             <a:endParaRPr lang="en-US"/>
           </a:p>
@@ -3102,6 +3103,400 @@
           <a:chExt cx="0" cy="0"/>
         </a:xfrm>
       </p:grpSpPr>
+      <p:sp>
+        <p:nvSpPr>
+          <p:cNvPr id="4" name="Title 3"/>
+          <p:cNvSpPr>
+            <a:spLocks noGrp="1"/>
+          </p:cNvSpPr>
+          <p:nvPr>
+            <p:ph type="title"/>
+          </p:nvPr>
+        </p:nvSpPr>
+        <p:spPr/>
+        <p:txBody>
+          <a:bodyPr/>
+          <a:lstStyle/>
+          <a:p>
+            <a:r>
+              <a:rPr lang="en-US" dirty="0" smtClean="0"/>
+              <a:t>Indexes</a:t>
+            </a:r>
+            <a:endParaRPr lang="en-US" dirty="0"/>
+          </a:p>
+        </p:txBody>
+      </p:sp>
+      <p:graphicFrame>
+        <p:nvGraphicFramePr>
+          <p:cNvPr id="7" name="Content Placeholder 6"/>
+          <p:cNvGraphicFramePr>
+            <a:graphicFrameLocks noGrp="1"/>
+          </p:cNvGraphicFramePr>
+          <p:nvPr>
+            <p:ph idx="1"/>
+            <p:extLst>
+              <p:ext uri="{D42A27DB-BD31-4B8C-83A1-F6EECF244321}">
+                <p14:modId xmlns:p14="http://schemas.microsoft.com/office/powerpoint/2010/main" val="3522688423"/>
+              </p:ext>
+            </p:extLst>
+          </p:nvPr>
+        </p:nvGraphicFramePr>
+        <p:xfrm>
+          <a:off x="457200" y="1600200"/>
+          <a:ext cx="8229600" cy="4048759"/>
+        </p:xfrm>
+        <a:graphic>
+          <a:graphicData uri="http://schemas.openxmlformats.org/drawingml/2006/table">
+            <a:tbl>
+              <a:tblPr firstRow="1" bandRow="1">
+                <a:tableStyleId>{5C22544A-7EE6-4342-B048-85BDC9FD1C3A}</a:tableStyleId>
+              </a:tblPr>
+              <a:tblGrid>
+                <a:gridCol w="1902904"/>
+                <a:gridCol w="6326696"/>
+              </a:tblGrid>
+              <a:tr h="370840">
+                <a:tc>
+                  <a:txBody>
+                    <a:bodyPr/>
+                    <a:lstStyle/>
+                    <a:p>
+                      <a:r>
+                        <a:rPr lang="en-US" dirty="0" smtClean="0"/>
+                        <a:t>Index</a:t>
+                      </a:r>
+                      <a:endParaRPr lang="en-US" dirty="0"/>
+                    </a:p>
+                  </a:txBody>
+                  <a:tcPr/>
+                </a:tc>
+                <a:tc>
+                  <a:txBody>
+                    <a:bodyPr/>
+                    <a:lstStyle/>
+                    <a:p>
+                      <a:r>
+                        <a:rPr lang="en-US" dirty="0" smtClean="0"/>
+                        <a:t>Example</a:t>
+                      </a:r>
+                      <a:endParaRPr lang="en-US" dirty="0"/>
+                    </a:p>
+                  </a:txBody>
+                  <a:tcPr/>
+                </a:tc>
+              </a:tr>
+              <a:tr h="370840">
+                <a:tc>
+                  <a:txBody>
+                    <a:bodyPr/>
+                    <a:lstStyle/>
+                    <a:p>
+                      <a:r>
+                        <a:rPr lang="en-US" dirty="0" smtClean="0"/>
+                        <a:t>actors</a:t>
+                      </a:r>
+                      <a:endParaRPr lang="en-US" dirty="0"/>
+                    </a:p>
+                  </a:txBody>
+                  <a:tcPr/>
+                </a:tc>
+                <a:tc>
+                  <a:txBody>
+                    <a:bodyPr/>
+                    <a:lstStyle/>
+                    <a:p>
+                      <a:r>
+                        <a:rPr lang="en-US" dirty="0" smtClean="0"/>
+                        <a:t>actor = ‘David Tennant’</a:t>
+                      </a:r>
+                    </a:p>
+                  </a:txBody>
+                  <a:tcPr/>
+                </a:tc>
+              </a:tr>
+              <a:tr h="370840">
+                <a:tc>
+                  <a:txBody>
+                    <a:bodyPr/>
+                    <a:lstStyle/>
+                    <a:p>
+                      <a:r>
+                        <a:rPr lang="en-US" dirty="0" smtClean="0"/>
+                        <a:t>characters</a:t>
+                      </a:r>
+                      <a:endParaRPr lang="en-US" dirty="0"/>
+                    </a:p>
+                  </a:txBody>
+                  <a:tcPr/>
+                </a:tc>
+                <a:tc>
+                  <a:txBody>
+                    <a:bodyPr/>
+                    <a:lstStyle/>
+                    <a:p>
+                      <a:r>
+                        <a:rPr lang="en-US" dirty="0" smtClean="0"/>
+                        <a:t>character</a:t>
+                      </a:r>
+                      <a:r>
+                        <a:rPr lang="en-US" baseline="0" dirty="0" smtClean="0"/>
+                        <a:t> = ‘Rose Tyler’</a:t>
+                      </a:r>
+                      <a:endParaRPr lang="en-US" dirty="0"/>
+                    </a:p>
+                  </a:txBody>
+                  <a:tcPr/>
+                </a:tc>
+              </a:tr>
+              <a:tr h="370840">
+                <a:tc>
+                  <a:txBody>
+                    <a:bodyPr/>
+                    <a:lstStyle/>
+                    <a:p>
+                      <a:r>
+                        <a:rPr lang="en-US" dirty="0" smtClean="0"/>
+                        <a:t>episodes</a:t>
+                      </a:r>
+                      <a:endParaRPr lang="en-US" dirty="0"/>
+                    </a:p>
+                  </a:txBody>
+                  <a:tcPr/>
+                </a:tc>
+                <a:tc>
+                  <a:txBody>
+                    <a:bodyPr/>
+                    <a:lstStyle/>
+                    <a:p>
+                      <a:r>
+                        <a:rPr lang="en-US" dirty="0" smtClean="0"/>
+                        <a:t>title = ‘An Unearthly Child’</a:t>
+                      </a:r>
+                    </a:p>
+                    <a:p>
+                      <a:r>
+                        <a:rPr lang="en-US" smtClean="0"/>
+                        <a:t>episode = ‘1’</a:t>
+                      </a:r>
+                      <a:endParaRPr lang="en-US" dirty="0" smtClean="0"/>
+                    </a:p>
+                    <a:p>
+                      <a:r>
+                        <a:rPr lang="en-US" dirty="0" smtClean="0"/>
+                        <a:t>‘episode:*’</a:t>
+                      </a:r>
+                      <a:endParaRPr lang="en-US" dirty="0"/>
+                    </a:p>
+                  </a:txBody>
+                  <a:tcPr/>
+                </a:tc>
+              </a:tr>
+              <a:tr h="370840">
+                <a:tc>
+                  <a:txBody>
+                    <a:bodyPr/>
+                    <a:lstStyle/>
+                    <a:p>
+                      <a:r>
+                        <a:rPr lang="en-US" dirty="0" smtClean="0"/>
+                        <a:t>planets</a:t>
+                      </a:r>
+                      <a:endParaRPr lang="en-US" dirty="0"/>
+                    </a:p>
+                  </a:txBody>
+                  <a:tcPr/>
+                </a:tc>
+                <a:tc>
+                  <a:txBody>
+                    <a:bodyPr/>
+                    <a:lstStyle/>
+                    <a:p>
+                      <a:r>
+                        <a:rPr lang="en-US" dirty="0" smtClean="0"/>
+                        <a:t>planet = ‘Earth’</a:t>
+                      </a:r>
+                      <a:endParaRPr lang="en-US" dirty="0"/>
+                    </a:p>
+                  </a:txBody>
+                  <a:tcPr/>
+                </a:tc>
+              </a:tr>
+              <a:tr h="370840">
+                <a:tc>
+                  <a:txBody>
+                    <a:bodyPr/>
+                    <a:lstStyle/>
+                    <a:p>
+                      <a:r>
+                        <a:rPr lang="en-US" dirty="0" smtClean="0"/>
+                        <a:t>props</a:t>
+                      </a:r>
+                      <a:endParaRPr lang="en-US" dirty="0"/>
+                    </a:p>
+                  </a:txBody>
+                  <a:tcPr/>
+                </a:tc>
+                <a:tc>
+                  <a:txBody>
+                    <a:bodyPr/>
+                    <a:lstStyle/>
+                    <a:p>
+                      <a:r>
+                        <a:rPr lang="en-US" dirty="0" smtClean="0"/>
+                        <a:t>prop = ‘</a:t>
+                      </a:r>
+                      <a:r>
+                        <a:rPr lang="en-US" dirty="0" err="1" smtClean="0"/>
+                        <a:t>Dalek</a:t>
+                      </a:r>
+                      <a:r>
+                        <a:rPr lang="en-US" dirty="0" smtClean="0"/>
+                        <a:t> One-7’</a:t>
+                      </a:r>
+                    </a:p>
+                    <a:p>
+                      <a:r>
+                        <a:rPr lang="en-US" dirty="0" smtClean="0"/>
+                        <a:t>‘</a:t>
+                      </a:r>
+                      <a:r>
+                        <a:rPr lang="en-US" dirty="0" err="1" smtClean="0"/>
+                        <a:t>prop:Dalek</a:t>
+                      </a:r>
+                      <a:r>
+                        <a:rPr lang="en-US" dirty="0" smtClean="0"/>
+                        <a:t>*’</a:t>
+                      </a:r>
+                      <a:endParaRPr lang="en-US" dirty="0"/>
+                    </a:p>
+                  </a:txBody>
+                  <a:tcPr/>
+                </a:tc>
+              </a:tr>
+              <a:tr h="370840">
+                <a:tc>
+                  <a:txBody>
+                    <a:bodyPr/>
+                    <a:lstStyle/>
+                    <a:p>
+                      <a:r>
+                        <a:rPr lang="en-US" dirty="0" smtClean="0"/>
+                        <a:t>species</a:t>
+                      </a:r>
+                      <a:endParaRPr lang="en-US" dirty="0"/>
+                    </a:p>
+                  </a:txBody>
+                  <a:tcPr/>
+                </a:tc>
+                <a:tc>
+                  <a:txBody>
+                    <a:bodyPr/>
+                    <a:lstStyle/>
+                    <a:p>
+                      <a:r>
+                        <a:rPr lang="en-US" dirty="0" smtClean="0"/>
+                        <a:t>species = ‘</a:t>
+                      </a:r>
+                      <a:r>
+                        <a:rPr lang="en-US" dirty="0" err="1" smtClean="0"/>
+                        <a:t>Dalek</a:t>
+                      </a:r>
+                      <a:r>
+                        <a:rPr lang="en-US" dirty="0" smtClean="0"/>
+                        <a:t>’</a:t>
+                      </a:r>
+                    </a:p>
+                    <a:p>
+                      <a:r>
+                        <a:rPr lang="en-US" dirty="0" smtClean="0"/>
+                        <a:t>‘</a:t>
+                      </a:r>
+                      <a:r>
+                        <a:rPr lang="en-US" dirty="0" err="1" smtClean="0"/>
+                        <a:t>species:S</a:t>
+                      </a:r>
+                      <a:r>
+                        <a:rPr lang="en-US" dirty="0" smtClean="0"/>
+                        <a:t>*n’</a:t>
+                      </a:r>
+                      <a:endParaRPr lang="en-US" dirty="0"/>
+                    </a:p>
+                  </a:txBody>
+                  <a:tcPr/>
+                </a:tc>
+              </a:tr>
+              <a:tr h="370840">
+                <a:tc>
+                  <a:txBody>
+                    <a:bodyPr/>
+                    <a:lstStyle/>
+                    <a:p>
+                      <a:r>
+                        <a:rPr lang="en-US" dirty="0" smtClean="0"/>
+                        <a:t>things</a:t>
+                      </a:r>
+                      <a:endParaRPr lang="en-US" dirty="0"/>
+                    </a:p>
+                  </a:txBody>
+                  <a:tcPr/>
+                </a:tc>
+                <a:tc>
+                  <a:txBody>
+                    <a:bodyPr/>
+                    <a:lstStyle/>
+                    <a:p>
+                      <a:r>
+                        <a:rPr lang="en-US" dirty="0" smtClean="0"/>
+                        <a:t>thing = ‘</a:t>
+                      </a:r>
+                      <a:r>
+                        <a:rPr lang="en-US" dirty="0" err="1" smtClean="0"/>
+                        <a:t>Tardis</a:t>
+                      </a:r>
+                      <a:r>
+                        <a:rPr lang="en-US" dirty="0" smtClean="0"/>
+                        <a:t>’</a:t>
+                      </a:r>
+                      <a:endParaRPr lang="en-US" dirty="0"/>
+                    </a:p>
+                  </a:txBody>
+                  <a:tcPr/>
+                </a:tc>
+              </a:tr>
+            </a:tbl>
+          </a:graphicData>
+        </a:graphic>
+      </p:graphicFrame>
+    </p:spTree>
+    <p:extLst>
+      <p:ext uri="{BB962C8B-B14F-4D97-AF65-F5344CB8AC3E}">
+        <p14:creationId xmlns:p14="http://schemas.microsoft.com/office/powerpoint/2010/main" val="3018598710"/>
+      </p:ext>
+    </p:extLst>
+  </p:cSld>
+  <p:clrMapOvr>
+    <a:masterClrMapping/>
+  </p:clrMapOvr>
+</p:sld>
+</file>
+
+<file path=ppt/slides/slide2.xml><?xml version="1.0" encoding="utf-8"?>
+<p:sld xmlns:a="http://schemas.openxmlformats.org/drawingml/2006/main" xmlns:r="http://schemas.openxmlformats.org/officeDocument/2006/relationships" xmlns:p="http://schemas.openxmlformats.org/presentationml/2006/main">
+  <p:cSld>
+    <p:spTree>
+      <p:nvGrpSpPr>
+        <p:cNvPr id="1" name=""/>
+        <p:cNvGrpSpPr/>
+        <p:nvPr/>
+      </p:nvGrpSpPr>
+      <p:grpSpPr>
+        <a:xfrm>
+          <a:off x="0" y="0"/>
+          <a:ext cx="0" cy="0"/>
+          <a:chOff x="0" y="0"/>
+          <a:chExt cx="0" cy="0"/>
+        </a:xfrm>
+      </p:grpSpPr>
       <p:pic>
         <p:nvPicPr>
           <p:cNvPr id="4" name="Picture 3" descr="graphs.png"/>
@@ -3145,7 +3540,7 @@
 </p:sld>
 </file>
 
-<file path=ppt/slides/slide2.xml><?xml version="1.0" encoding="utf-8"?>
+<file path=ppt/slides/slide3.xml><?xml version="1.0" encoding="utf-8"?>
 <p:sld xmlns:a="http://schemas.openxmlformats.org/drawingml/2006/main" xmlns:r="http://schemas.openxmlformats.org/officeDocument/2006/relationships" xmlns:p="http://schemas.openxmlformats.org/presentationml/2006/main">
   <p:cSld>
     <p:spTree>
@@ -3232,7 +3627,7 @@
 </p:sld>
 </file>
 
-<file path=ppt/slides/slide3.xml><?xml version="1.0" encoding="utf-8"?>
+<file path=ppt/slides/slide4.xml><?xml version="1.0" encoding="utf-8"?>
 <p:sld xmlns:a="http://schemas.openxmlformats.org/drawingml/2006/main" xmlns:r="http://schemas.openxmlformats.org/officeDocument/2006/relationships" xmlns:p="http://schemas.openxmlformats.org/presentationml/2006/main">
   <p:cSld>
     <p:spTree>
@@ -3317,7 +3712,7 @@
 </p:sld>
 </file>
 
-<file path=ppt/slides/slide4.xml><?xml version="1.0" encoding="utf-8"?>
+<file path=ppt/slides/slide5.xml><?xml version="1.0" encoding="utf-8"?>
 <p:sld xmlns:a="http://schemas.openxmlformats.org/drawingml/2006/main" xmlns:r="http://schemas.openxmlformats.org/officeDocument/2006/relationships" xmlns:p="http://schemas.openxmlformats.org/presentationml/2006/main">
   <p:cSld>
     <p:spTree>
@@ -3400,7 +3795,7 @@
 </p:sld>
 </file>
 
-<file path=ppt/slides/slide5.xml><?xml version="1.0" encoding="utf-8"?>
+<file path=ppt/slides/slide6.xml><?xml version="1.0" encoding="utf-8"?>
 <p:sld xmlns:a="http://schemas.openxmlformats.org/drawingml/2006/main" xmlns:r="http://schemas.openxmlformats.org/officeDocument/2006/relationships" xmlns:p="http://schemas.openxmlformats.org/presentationml/2006/main">
   <p:cSld>
     <p:spTree>
@@ -3483,7 +3878,7 @@
 </p:sld>
 </file>
 
-<file path=ppt/slides/slide6.xml><?xml version="1.0" encoding="utf-8"?>
+<file path=ppt/slides/slide7.xml><?xml version="1.0" encoding="utf-8"?>
 <p:sld xmlns:a="http://schemas.openxmlformats.org/drawingml/2006/main" xmlns:r="http://schemas.openxmlformats.org/officeDocument/2006/relationships" xmlns:p="http://schemas.openxmlformats.org/presentationml/2006/main">
   <p:cSld>
     <p:spTree>
@@ -3566,7 +3961,7 @@
 </p:sld>
 </file>
 
-<file path=ppt/slides/slide7.xml><?xml version="1.0" encoding="utf-8"?>
+<file path=ppt/slides/slide8.xml><?xml version="1.0" encoding="utf-8"?>
 <p:sld xmlns:a="http://schemas.openxmlformats.org/drawingml/2006/main" xmlns:r="http://schemas.openxmlformats.org/officeDocument/2006/relationships" xmlns:p="http://schemas.openxmlformats.org/presentationml/2006/main">
   <p:cSld>
     <p:spTree>
@@ -3649,7 +4044,7 @@
 </p:sld>
 </file>
 
-<file path=ppt/slides/slide8.xml><?xml version="1.0" encoding="utf-8"?>
+<file path=ppt/slides/slide9.xml><?xml version="1.0" encoding="utf-8"?>
 <p:sld xmlns:a="http://schemas.openxmlformats.org/drawingml/2006/main" xmlns:r="http://schemas.openxmlformats.org/officeDocument/2006/relationships" xmlns:p="http://schemas.openxmlformats.org/presentationml/2006/main">
   <p:cSld>
     <p:spTree>

--- a/presentation/Doctor Who Data Model.pptx
+++ b/presentation/Doctor Who Data Model.pptx
@@ -7,7 +7,7 @@
   <p:sldIdLst>
     <p:sldId id="265" r:id="rId2"/>
     <p:sldId id="257" r:id="rId3"/>
-    <p:sldId id="258" r:id="rId4"/>
+    <p:sldId id="266" r:id="rId4"/>
     <p:sldId id="259" r:id="rId5"/>
     <p:sldId id="260" r:id="rId6"/>
     <p:sldId id="261" r:id="rId7"/>
@@ -296,7 +296,7 @@
           <a:p>
             <a:fld id="{6E5CF046-20FD-D64B-A873-CF2D1969ADA3}" type="datetimeFigureOut">
               <a:rPr lang="en-US" smtClean="0"/>
-              <a:t>08/05/2012</a:t>
+              <a:t>09/05/2012</a:t>
             </a:fld>
             <a:endParaRPr lang="en-US"/>
           </a:p>
@@ -466,7 +466,7 @@
           <a:p>
             <a:fld id="{6E5CF046-20FD-D64B-A873-CF2D1969ADA3}" type="datetimeFigureOut">
               <a:rPr lang="en-US" smtClean="0"/>
-              <a:t>08/05/2012</a:t>
+              <a:t>09/05/2012</a:t>
             </a:fld>
             <a:endParaRPr lang="en-US"/>
           </a:p>
@@ -646,7 +646,7 @@
           <a:p>
             <a:fld id="{6E5CF046-20FD-D64B-A873-CF2D1969ADA3}" type="datetimeFigureOut">
               <a:rPr lang="en-US" smtClean="0"/>
-              <a:t>08/05/2012</a:t>
+              <a:t>09/05/2012</a:t>
             </a:fld>
             <a:endParaRPr lang="en-US"/>
           </a:p>
@@ -816,7 +816,7 @@
           <a:p>
             <a:fld id="{6E5CF046-20FD-D64B-A873-CF2D1969ADA3}" type="datetimeFigureOut">
               <a:rPr lang="en-US" smtClean="0"/>
-              <a:t>08/05/2012</a:t>
+              <a:t>09/05/2012</a:t>
             </a:fld>
             <a:endParaRPr lang="en-US"/>
           </a:p>
@@ -1062,7 +1062,7 @@
           <a:p>
             <a:fld id="{6E5CF046-20FD-D64B-A873-CF2D1969ADA3}" type="datetimeFigureOut">
               <a:rPr lang="en-US" smtClean="0"/>
-              <a:t>08/05/2012</a:t>
+              <a:t>09/05/2012</a:t>
             </a:fld>
             <a:endParaRPr lang="en-US"/>
           </a:p>
@@ -1350,7 +1350,7 @@
           <a:p>
             <a:fld id="{6E5CF046-20FD-D64B-A873-CF2D1969ADA3}" type="datetimeFigureOut">
               <a:rPr lang="en-US" smtClean="0"/>
-              <a:t>08/05/2012</a:t>
+              <a:t>09/05/2012</a:t>
             </a:fld>
             <a:endParaRPr lang="en-US"/>
           </a:p>
@@ -1772,7 +1772,7 @@
           <a:p>
             <a:fld id="{6E5CF046-20FD-D64B-A873-CF2D1969ADA3}" type="datetimeFigureOut">
               <a:rPr lang="en-US" smtClean="0"/>
-              <a:t>08/05/2012</a:t>
+              <a:t>09/05/2012</a:t>
             </a:fld>
             <a:endParaRPr lang="en-US"/>
           </a:p>
@@ -1890,7 +1890,7 @@
           <a:p>
             <a:fld id="{6E5CF046-20FD-D64B-A873-CF2D1969ADA3}" type="datetimeFigureOut">
               <a:rPr lang="en-US" smtClean="0"/>
-              <a:t>08/05/2012</a:t>
+              <a:t>09/05/2012</a:t>
             </a:fld>
             <a:endParaRPr lang="en-US"/>
           </a:p>
@@ -1985,7 +1985,7 @@
           <a:p>
             <a:fld id="{6E5CF046-20FD-D64B-A873-CF2D1969ADA3}" type="datetimeFigureOut">
               <a:rPr lang="en-US" smtClean="0"/>
-              <a:t>08/05/2012</a:t>
+              <a:t>09/05/2012</a:t>
             </a:fld>
             <a:endParaRPr lang="en-US"/>
           </a:p>
@@ -2262,7 +2262,7 @@
           <a:p>
             <a:fld id="{6E5CF046-20FD-D64B-A873-CF2D1969ADA3}" type="datetimeFigureOut">
               <a:rPr lang="en-US" smtClean="0"/>
-              <a:t>08/05/2012</a:t>
+              <a:t>09/05/2012</a:t>
             </a:fld>
             <a:endParaRPr lang="en-US"/>
           </a:p>
@@ -2515,7 +2515,7 @@
           <a:p>
             <a:fld id="{6E5CF046-20FD-D64B-A873-CF2D1969ADA3}" type="datetimeFigureOut">
               <a:rPr lang="en-US" smtClean="0"/>
-              <a:t>08/05/2012</a:t>
+              <a:t>09/05/2012</a:t>
             </a:fld>
             <a:endParaRPr lang="en-US"/>
           </a:p>
@@ -2728,7 +2728,7 @@
           <a:p>
             <a:fld id="{6E5CF046-20FD-D64B-A873-CF2D1969ADA3}" type="datetimeFigureOut">
               <a:rPr lang="en-US" smtClean="0"/>
-              <a:t>08/05/2012</a:t>
+              <a:t>09/05/2012</a:t>
             </a:fld>
             <a:endParaRPr lang="en-US"/>
           </a:p>
@@ -3136,14 +3136,14 @@
             <p:ph idx="1"/>
             <p:extLst>
               <p:ext uri="{D42A27DB-BD31-4B8C-83A1-F6EECF244321}">
-                <p14:modId xmlns:p14="http://schemas.microsoft.com/office/powerpoint/2010/main" val="3522688423"/>
+                <p14:modId xmlns:p14="http://schemas.microsoft.com/office/powerpoint/2010/main" val="2061908314"/>
               </p:ext>
             </p:extLst>
           </p:nvPr>
         </p:nvGraphicFramePr>
         <p:xfrm>
           <a:off x="457200" y="1600200"/>
-          <a:ext cx="8229600" cy="4048759"/>
+          <a:ext cx="8229601" cy="4048759"/>
         </p:xfrm>
         <a:graphic>
           <a:graphicData uri="http://schemas.openxmlformats.org/drawingml/2006/table">
@@ -3152,8 +3152,9 @@
                 <a:tableStyleId>{5C22544A-7EE6-4342-B048-85BDC9FD1C3A}</a:tableStyleId>
               </a:tblPr>
               <a:tblGrid>
-                <a:gridCol w="1902904"/>
-                <a:gridCol w="6326696"/>
+                <a:gridCol w="1557559"/>
+                <a:gridCol w="1737850"/>
+                <a:gridCol w="4934192"/>
               </a:tblGrid>
               <a:tr h="370840">
                 <a:tc>
@@ -3164,6 +3165,20 @@
                       <a:r>
                         <a:rPr lang="en-US" dirty="0" smtClean="0"/>
                         <a:t>Index</a:t>
+                      </a:r>
+                      <a:endParaRPr lang="en-US" dirty="0"/>
+                    </a:p>
+                  </a:txBody>
+                  <a:tcPr/>
+                </a:tc>
+                <a:tc>
+                  <a:txBody>
+                    <a:bodyPr/>
+                    <a:lstStyle/>
+                    <a:p>
+                      <a:r>
+                        <a:rPr lang="en-US" dirty="0" smtClean="0"/>
+                        <a:t>Key</a:t>
                       </a:r>
                       <a:endParaRPr lang="en-US" dirty="0"/>
                     </a:p>
@@ -3207,6 +3222,20 @@
                     <a:p>
                       <a:r>
                         <a:rPr lang="en-US" dirty="0" smtClean="0"/>
+                        <a:t>actor</a:t>
+                      </a:r>
+                      <a:endParaRPr lang="en-US" dirty="0" smtClean="0"/>
+                    </a:p>
+                  </a:txBody>
+                  <a:tcPr/>
+                </a:tc>
+                <a:tc>
+                  <a:txBody>
+                    <a:bodyPr/>
+                    <a:lstStyle/>
+                    <a:p>
+                      <a:r>
+                        <a:rPr lang="en-US" dirty="0" smtClean="0"/>
                         <a:t>actor = ‘David Tennant’</a:t>
                       </a:r>
                     </a:p>
@@ -3223,6 +3252,20 @@
                       <a:r>
                         <a:rPr lang="en-US" dirty="0" smtClean="0"/>
                         <a:t>characters</a:t>
+                      </a:r>
+                      <a:endParaRPr lang="en-US" dirty="0"/>
+                    </a:p>
+                  </a:txBody>
+                  <a:tcPr/>
+                </a:tc>
+                <a:tc>
+                  <a:txBody>
+                    <a:bodyPr/>
+                    <a:lstStyle/>
+                    <a:p>
+                      <a:r>
+                        <a:rPr lang="en-US" dirty="0" smtClean="0"/>
+                        <a:t>character</a:t>
                       </a:r>
                       <a:endParaRPr lang="en-US" dirty="0"/>
                     </a:p>
@@ -3257,6 +3300,26 @@
                       <a:r>
                         <a:rPr lang="en-US" dirty="0" smtClean="0"/>
                         <a:t>episodes</a:t>
+                      </a:r>
+                      <a:endParaRPr lang="en-US" dirty="0"/>
+                    </a:p>
+                  </a:txBody>
+                  <a:tcPr/>
+                </a:tc>
+                <a:tc>
+                  <a:txBody>
+                    <a:bodyPr/>
+                    <a:lstStyle/>
+                    <a:p>
+                      <a:r>
+                        <a:rPr lang="en-US" dirty="0" smtClean="0"/>
+                        <a:t>title</a:t>
+                      </a:r>
+                    </a:p>
+                    <a:p>
+                      <a:r>
+                        <a:rPr lang="en-US" dirty="0" smtClean="0"/>
+                        <a:t>episode</a:t>
                       </a:r>
                       <a:endParaRPr lang="en-US" dirty="0"/>
                     </a:p>
@@ -3313,6 +3376,20 @@
                     <a:p>
                       <a:r>
                         <a:rPr lang="en-US" dirty="0" smtClean="0"/>
+                        <a:t>planet</a:t>
+                      </a:r>
+                      <a:endParaRPr lang="en-US" dirty="0"/>
+                    </a:p>
+                  </a:txBody>
+                  <a:tcPr/>
+                </a:tc>
+                <a:tc>
+                  <a:txBody>
+                    <a:bodyPr/>
+                    <a:lstStyle/>
+                    <a:p>
+                      <a:r>
+                        <a:rPr lang="en-US" dirty="0" smtClean="0"/>
                         <a:t>planet = ‘Earth’</a:t>
                       </a:r>
                       <a:endParaRPr lang="en-US" dirty="0"/>
@@ -3330,6 +3407,20 @@
                       <a:r>
                         <a:rPr lang="en-US" dirty="0" smtClean="0"/>
                         <a:t>props</a:t>
+                      </a:r>
+                      <a:endParaRPr lang="en-US" dirty="0"/>
+                    </a:p>
+                  </a:txBody>
+                  <a:tcPr/>
+                </a:tc>
+                <a:tc>
+                  <a:txBody>
+                    <a:bodyPr/>
+                    <a:lstStyle/>
+                    <a:p>
+                      <a:r>
+                        <a:rPr lang="en-US" dirty="0" smtClean="0"/>
+                        <a:t>prop</a:t>
                       </a:r>
                       <a:endParaRPr lang="en-US" dirty="0"/>
                     </a:p>
@@ -3395,6 +3486,20 @@
                     <a:p>
                       <a:r>
                         <a:rPr lang="en-US" dirty="0" smtClean="0"/>
+                        <a:t>species</a:t>
+                      </a:r>
+                      <a:endParaRPr lang="en-US" dirty="0"/>
+                    </a:p>
+                  </a:txBody>
+                  <a:tcPr/>
+                </a:tc>
+                <a:tc>
+                  <a:txBody>
+                    <a:bodyPr/>
+                    <a:lstStyle/>
+                    <a:p>
+                      <a:r>
+                        <a:rPr lang="en-US" dirty="0" smtClean="0"/>
                         <a:t>species = ‘</a:t>
                       </a:r>
                       <a:r>
@@ -3434,6 +3539,20 @@
                       <a:r>
                         <a:rPr lang="en-US" dirty="0" smtClean="0"/>
                         <a:t>things</a:t>
+                      </a:r>
+                      <a:endParaRPr lang="en-US" dirty="0"/>
+                    </a:p>
+                  </a:txBody>
+                  <a:tcPr/>
+                </a:tc>
+                <a:tc>
+                  <a:txBody>
+                    <a:bodyPr/>
+                    <a:lstStyle/>
+                    <a:p>
+                      <a:r>
+                        <a:rPr lang="en-US" smtClean="0"/>
+                        <a:t>thing</a:t>
                       </a:r>
                       <a:endParaRPr lang="en-US" dirty="0"/>
                     </a:p>
@@ -3559,7 +3678,7 @@
       </p:grpSpPr>
       <p:pic>
         <p:nvPicPr>
-          <p:cNvPr id="2" name="Picture 1" descr="Screen shot 2011-06-30 at 14.15.41.png"/>
+          <p:cNvPr id="2" name="Picture 1"/>
           <p:cNvPicPr>
             <a:picLocks noChangeAspect="1"/>
           </p:cNvPicPr>
@@ -3569,7 +3688,7 @@
           <a:blip r:embed="rId2">
             <a:extLst>
               <a:ext uri="{28A0092B-C50C-407E-A947-70E740481C1C}">
-                <a14:useLocalDpi xmlns:a14="http://schemas.microsoft.com/office/drawing/2010/main"/>
+                <a14:useLocalDpi xmlns:a14="http://schemas.microsoft.com/office/drawing/2010/main" val="0"/>
               </a:ext>
             </a:extLst>
           </a:blip>
@@ -3579,8 +3698,8 @@
         </p:blipFill>
         <p:spPr>
           <a:xfrm>
-            <a:off x="785089" y="1288471"/>
-            <a:ext cx="6996548" cy="4385558"/>
+            <a:off x="0" y="210027"/>
+            <a:ext cx="9144000" cy="6229220"/>
           </a:xfrm>
           <a:prstGeom prst="rect">
             <a:avLst/>
@@ -3590,17 +3709,38 @@
       <p:sp>
         <p:nvSpPr>
           <p:cNvPr id="3" name="Title 2"/>
-          <p:cNvSpPr>
-            <a:spLocks noGrp="1"/>
-          </p:cNvSpPr>
-          <p:nvPr>
-            <p:ph type="title"/>
-          </p:nvPr>
-        </p:nvSpPr>
-        <p:spPr/>
-        <p:txBody>
-          <a:bodyPr/>
-          <a:lstStyle/>
+          <p:cNvSpPr txBox="1">
+            <a:spLocks/>
+          </p:cNvSpPr>
+          <p:nvPr/>
+        </p:nvSpPr>
+        <p:spPr>
+          <a:xfrm>
+            <a:off x="5557299" y="274638"/>
+            <a:ext cx="3129501" cy="1143000"/>
+          </a:xfrm>
+          <a:prstGeom prst="rect">
+            <a:avLst/>
+          </a:prstGeom>
+        </p:spPr>
+        <p:txBody>
+          <a:bodyPr/>
+          <a:lstStyle>
+            <a:lvl1pPr algn="ctr" defTabSz="457200" rtl="0" eaLnBrk="1" latinLnBrk="0" hangingPunct="1">
+              <a:spcBef>
+                <a:spcPct val="0"/>
+              </a:spcBef>
+              <a:buNone/>
+              <a:defRPr sz="4400" kern="1200">
+                <a:solidFill>
+                  <a:schemeClr val="tx1"/>
+                </a:solidFill>
+                <a:latin typeface="+mj-lt"/>
+                <a:ea typeface="+mj-ea"/>
+                <a:cs typeface="+mj-cs"/>
+              </a:defRPr>
+            </a:lvl1pPr>
+          </a:lstStyle>
           <a:p>
             <a:r>
               <a:rPr lang="en-US" dirty="0" err="1" smtClean="0"/>
@@ -3617,7 +3757,7 @@
     </p:spTree>
     <p:extLst>
       <p:ext uri="{BB962C8B-B14F-4D97-AF65-F5344CB8AC3E}">
-        <p14:creationId xmlns:p14="http://schemas.microsoft.com/office/powerpoint/2010/main" val="1038678668"/>
+        <p14:creationId xmlns:p14="http://schemas.microsoft.com/office/powerpoint/2010/main" val="2099538040"/>
       </p:ext>
     </p:extLst>
   </p:cSld>

--- a/presentation/Doctor Who Data Model.pptx
+++ b/presentation/Doctor Who Data Model.pptx
@@ -296,7 +296,7 @@
           <a:p>
             <a:fld id="{6E5CF046-20FD-D64B-A873-CF2D1969ADA3}" type="datetimeFigureOut">
               <a:rPr lang="en-US" smtClean="0"/>
-              <a:t>09/05/2012</a:t>
+              <a:t>08/10/2012</a:t>
             </a:fld>
             <a:endParaRPr lang="en-US"/>
           </a:p>
@@ -466,7 +466,7 @@
           <a:p>
             <a:fld id="{6E5CF046-20FD-D64B-A873-CF2D1969ADA3}" type="datetimeFigureOut">
               <a:rPr lang="en-US" smtClean="0"/>
-              <a:t>09/05/2012</a:t>
+              <a:t>08/10/2012</a:t>
             </a:fld>
             <a:endParaRPr lang="en-US"/>
           </a:p>
@@ -646,7 +646,7 @@
           <a:p>
             <a:fld id="{6E5CF046-20FD-D64B-A873-CF2D1969ADA3}" type="datetimeFigureOut">
               <a:rPr lang="en-US" smtClean="0"/>
-              <a:t>09/05/2012</a:t>
+              <a:t>08/10/2012</a:t>
             </a:fld>
             <a:endParaRPr lang="en-US"/>
           </a:p>
@@ -816,7 +816,7 @@
           <a:p>
             <a:fld id="{6E5CF046-20FD-D64B-A873-CF2D1969ADA3}" type="datetimeFigureOut">
               <a:rPr lang="en-US" smtClean="0"/>
-              <a:t>09/05/2012</a:t>
+              <a:t>08/10/2012</a:t>
             </a:fld>
             <a:endParaRPr lang="en-US"/>
           </a:p>
@@ -1062,7 +1062,7 @@
           <a:p>
             <a:fld id="{6E5CF046-20FD-D64B-A873-CF2D1969ADA3}" type="datetimeFigureOut">
               <a:rPr lang="en-US" smtClean="0"/>
-              <a:t>09/05/2012</a:t>
+              <a:t>08/10/2012</a:t>
             </a:fld>
             <a:endParaRPr lang="en-US"/>
           </a:p>
@@ -1350,7 +1350,7 @@
           <a:p>
             <a:fld id="{6E5CF046-20FD-D64B-A873-CF2D1969ADA3}" type="datetimeFigureOut">
               <a:rPr lang="en-US" smtClean="0"/>
-              <a:t>09/05/2012</a:t>
+              <a:t>08/10/2012</a:t>
             </a:fld>
             <a:endParaRPr lang="en-US"/>
           </a:p>
@@ -1772,7 +1772,7 @@
           <a:p>
             <a:fld id="{6E5CF046-20FD-D64B-A873-CF2D1969ADA3}" type="datetimeFigureOut">
               <a:rPr lang="en-US" smtClean="0"/>
-              <a:t>09/05/2012</a:t>
+              <a:t>08/10/2012</a:t>
             </a:fld>
             <a:endParaRPr lang="en-US"/>
           </a:p>
@@ -1890,7 +1890,7 @@
           <a:p>
             <a:fld id="{6E5CF046-20FD-D64B-A873-CF2D1969ADA3}" type="datetimeFigureOut">
               <a:rPr lang="en-US" smtClean="0"/>
-              <a:t>09/05/2012</a:t>
+              <a:t>08/10/2012</a:t>
             </a:fld>
             <a:endParaRPr lang="en-US"/>
           </a:p>
@@ -1985,7 +1985,7 @@
           <a:p>
             <a:fld id="{6E5CF046-20FD-D64B-A873-CF2D1969ADA3}" type="datetimeFigureOut">
               <a:rPr lang="en-US" smtClean="0"/>
-              <a:t>09/05/2012</a:t>
+              <a:t>08/10/2012</a:t>
             </a:fld>
             <a:endParaRPr lang="en-US"/>
           </a:p>
@@ -2262,7 +2262,7 @@
           <a:p>
             <a:fld id="{6E5CF046-20FD-D64B-A873-CF2D1969ADA3}" type="datetimeFigureOut">
               <a:rPr lang="en-US" smtClean="0"/>
-              <a:t>09/05/2012</a:t>
+              <a:t>08/10/2012</a:t>
             </a:fld>
             <a:endParaRPr lang="en-US"/>
           </a:p>
@@ -2515,7 +2515,7 @@
           <a:p>
             <a:fld id="{6E5CF046-20FD-D64B-A873-CF2D1969ADA3}" type="datetimeFigureOut">
               <a:rPr lang="en-US" smtClean="0"/>
-              <a:t>09/05/2012</a:t>
+              <a:t>08/10/2012</a:t>
             </a:fld>
             <a:endParaRPr lang="en-US"/>
           </a:p>
@@ -2728,7 +2728,7 @@
           <a:p>
             <a:fld id="{6E5CF046-20FD-D64B-A873-CF2D1969ADA3}" type="datetimeFigureOut">
               <a:rPr lang="en-US" smtClean="0"/>
-              <a:t>09/05/2012</a:t>
+              <a:t>08/10/2012</a:t>
             </a:fld>
             <a:endParaRPr lang="en-US"/>
           </a:p>
@@ -3224,7 +3224,6 @@
                         <a:rPr lang="en-US" dirty="0" smtClean="0"/>
                         <a:t>actor</a:t>
                       </a:r>
-                      <a:endParaRPr lang="en-US" dirty="0" smtClean="0"/>
                     </a:p>
                   </a:txBody>
                   <a:tcPr/>
@@ -3618,7 +3617,7 @@
       </p:grpSpPr>
       <p:pic>
         <p:nvPicPr>
-          <p:cNvPr id="4" name="Picture 3" descr="graphs.png"/>
+          <p:cNvPr id="2" name="Picture 1" descr="dr who data model.png"/>
           <p:cNvPicPr>
             <a:picLocks noChangeAspect="1"/>
           </p:cNvPicPr>
